--- a/bonito/マニュアル/出品ファイル作成ツールセットアップマニュアル(Windows用).pptx
+++ b/bonito/マニュアル/出品ファイル作成ツールセットアップマニュアル(Windows用).pptx
@@ -208,7 +208,7 @@
           <a:p>
             <a:fld id="{D246CC61-2E22-4346-9735-96D767A36C5A}" type="datetimeFigureOut">
               <a:rPr kumimoji="1" lang="ja-JP" altLang="en-US" smtClean="0"/>
-              <a:t>2017/8/5</a:t>
+              <a:t>2017/10/11</a:t>
             </a:fld>
             <a:endParaRPr kumimoji="1" lang="ja-JP" altLang="en-US"/>
           </a:p>
@@ -846,7 +846,7 @@
           <a:p>
             <a:fld id="{48A87A34-81AB-432B-8DAE-1953F412C126}" type="datetimeFigureOut">
               <a:rPr lang="en-US" dirty="0"/>
-              <a:t>8/5/17</a:t>
+              <a:t>10/11/17</a:t>
             </a:fld>
             <a:endParaRPr lang="en-US" dirty="0"/>
           </a:p>
@@ -1108,7 +1108,7 @@
           <a:p>
             <a:fld id="{48A87A34-81AB-432B-8DAE-1953F412C126}" type="datetimeFigureOut">
               <a:rPr lang="en-US" dirty="0"/>
-              <a:t>8/5/17</a:t>
+              <a:t>10/11/17</a:t>
             </a:fld>
             <a:endParaRPr lang="en-US" dirty="0"/>
           </a:p>
@@ -1335,7 +1335,7 @@
             <a:fld id="{48A87A34-81AB-432B-8DAE-1953F412C126}" type="datetimeFigureOut">
               <a:rPr lang="en-US" dirty="0"/>
               <a:pPr/>
-              <a:t>8/5/17</a:t>
+              <a:t>10/11/17</a:t>
             </a:fld>
             <a:endParaRPr lang="en-US" dirty="0"/>
           </a:p>
@@ -1641,7 +1641,7 @@
             <a:fld id="{48A87A34-81AB-432B-8DAE-1953F412C126}" type="datetimeFigureOut">
               <a:rPr lang="en-US" dirty="0"/>
               <a:pPr/>
-              <a:t>8/5/17</a:t>
+              <a:t>10/11/17</a:t>
             </a:fld>
             <a:endParaRPr lang="en-US" dirty="0"/>
           </a:p>
@@ -2110,7 +2110,7 @@
             <a:fld id="{48A87A34-81AB-432B-8DAE-1953F412C126}" type="datetimeFigureOut">
               <a:rPr lang="en-US" dirty="0"/>
               <a:pPr/>
-              <a:t>8/5/17</a:t>
+              <a:t>10/11/17</a:t>
             </a:fld>
             <a:endParaRPr lang="en-US" dirty="0"/>
           </a:p>
@@ -2652,7 +2652,7 @@
           <a:p>
             <a:fld id="{48A87A34-81AB-432B-8DAE-1953F412C126}" type="datetimeFigureOut">
               <a:rPr lang="en-US" dirty="0"/>
-              <a:t>8/5/17</a:t>
+              <a:t>10/11/17</a:t>
             </a:fld>
             <a:endParaRPr lang="en-US" dirty="0"/>
           </a:p>
@@ -3421,7 +3421,7 @@
           <a:p>
             <a:fld id="{48A87A34-81AB-432B-8DAE-1953F412C126}" type="datetimeFigureOut">
               <a:rPr lang="en-US" dirty="0"/>
-              <a:t>8/5/17</a:t>
+              <a:t>10/11/17</a:t>
             </a:fld>
             <a:endParaRPr lang="en-US" dirty="0"/>
           </a:p>
@@ -3623,7 +3623,7 @@
           <a:p>
             <a:fld id="{48A87A34-81AB-432B-8DAE-1953F412C126}" type="datetimeFigureOut">
               <a:rPr lang="en-US" dirty="0"/>
-              <a:t>8/5/17</a:t>
+              <a:t>10/11/17</a:t>
             </a:fld>
             <a:endParaRPr lang="en-US" dirty="0"/>
           </a:p>
@@ -3874,7 +3874,7 @@
             <a:fld id="{48A87A34-81AB-432B-8DAE-1953F412C126}" type="datetimeFigureOut">
               <a:rPr lang="en-US" dirty="0"/>
               <a:pPr/>
-              <a:t>8/5/17</a:t>
+              <a:t>10/11/17</a:t>
             </a:fld>
             <a:endParaRPr lang="en-US" dirty="0"/>
           </a:p>
@@ -4081,7 +4081,7 @@
           <a:p>
             <a:fld id="{48A87A34-81AB-432B-8DAE-1953F412C126}" type="datetimeFigureOut">
               <a:rPr lang="en-US" dirty="0"/>
-              <a:t>8/5/17</a:t>
+              <a:t>10/11/17</a:t>
             </a:fld>
             <a:endParaRPr lang="en-US" dirty="0"/>
           </a:p>
@@ -4366,7 +4366,7 @@
             <a:fld id="{48A87A34-81AB-432B-8DAE-1953F412C126}" type="datetimeFigureOut">
               <a:rPr lang="en-US" dirty="0"/>
               <a:pPr/>
-              <a:t>8/5/17</a:t>
+              <a:t>10/11/17</a:t>
             </a:fld>
             <a:endParaRPr lang="en-US" dirty="0"/>
           </a:p>
@@ -4667,7 +4667,7 @@
           <a:p>
             <a:fld id="{48A87A34-81AB-432B-8DAE-1953F412C126}" type="datetimeFigureOut">
               <a:rPr lang="en-US" dirty="0"/>
-              <a:t>8/5/17</a:t>
+              <a:t>10/11/17</a:t>
             </a:fld>
             <a:endParaRPr lang="en-US" dirty="0"/>
           </a:p>
@@ -5105,7 +5105,7 @@
           <a:p>
             <a:fld id="{48A87A34-81AB-432B-8DAE-1953F412C126}" type="datetimeFigureOut">
               <a:rPr lang="en-US" dirty="0"/>
-              <a:t>8/5/17</a:t>
+              <a:t>10/11/17</a:t>
             </a:fld>
             <a:endParaRPr lang="en-US" dirty="0"/>
           </a:p>
@@ -5218,7 +5218,7 @@
           <a:p>
             <a:fld id="{48A87A34-81AB-432B-8DAE-1953F412C126}" type="datetimeFigureOut">
               <a:rPr lang="en-US" dirty="0"/>
-              <a:t>8/5/17</a:t>
+              <a:t>10/11/17</a:t>
             </a:fld>
             <a:endParaRPr lang="en-US" dirty="0"/>
           </a:p>
@@ -5308,7 +5308,7 @@
           <a:p>
             <a:fld id="{48A87A34-81AB-432B-8DAE-1953F412C126}" type="datetimeFigureOut">
               <a:rPr lang="en-US" dirty="0"/>
-              <a:t>8/5/17</a:t>
+              <a:t>10/11/17</a:t>
             </a:fld>
             <a:endParaRPr lang="en-US" dirty="0"/>
           </a:p>
@@ -5584,7 +5584,7 @@
           <a:p>
             <a:fld id="{48A87A34-81AB-432B-8DAE-1953F412C126}" type="datetimeFigureOut">
               <a:rPr lang="en-US" dirty="0"/>
-              <a:t>8/5/17</a:t>
+              <a:t>10/11/17</a:t>
             </a:fld>
             <a:endParaRPr lang="en-US" dirty="0"/>
           </a:p>
@@ -5836,7 +5836,7 @@
           <a:p>
             <a:fld id="{48A87A34-81AB-432B-8DAE-1953F412C126}" type="datetimeFigureOut">
               <a:rPr lang="en-US" dirty="0"/>
-              <a:t>8/5/17</a:t>
+              <a:t>10/11/17</a:t>
             </a:fld>
             <a:endParaRPr lang="en-US" dirty="0"/>
           </a:p>
@@ -6107,7 +6107,7 @@
             <a:fld id="{48A87A34-81AB-432B-8DAE-1953F412C126}" type="datetimeFigureOut">
               <a:rPr lang="en-US" dirty="0"/>
               <a:pPr/>
-              <a:t>8/5/17</a:t>
+              <a:t>10/11/17</a:t>
             </a:fld>
             <a:endParaRPr lang="en-US" dirty="0"/>
           </a:p>
@@ -6607,15 +6607,23 @@
             </a:r>
             <a:r>
               <a:rPr kumimoji="1" lang="ja-JP" altLang="en-US" dirty="0" smtClean="0"/>
-              <a:t>輸入出品ファイル作成ツール</a:t>
+              <a:t>輸出入出品</a:t>
+            </a:r>
+            <a:r>
+              <a:rPr kumimoji="1" lang="ja-JP" altLang="en-US" dirty="0" smtClean="0"/>
+              <a:t>ファイル作成ツール</a:t>
             </a:r>
             <a:r>
               <a:rPr kumimoji="1" lang="en-US" altLang="ja-JP" dirty="0" smtClean="0"/>
               <a:t> </a:t>
             </a:r>
             <a:r>
-              <a:rPr kumimoji="1" lang="en-US" altLang="ja-JP" dirty="0" smtClean="0"/>
-              <a:t>ver2.03</a:t>
+              <a:rPr kumimoji="1" lang="en-US" altLang="ja-JP" dirty="0" err="1" smtClean="0"/>
+              <a:t>ver</a:t>
+            </a:r>
+            <a:r>
+              <a:rPr kumimoji="1" lang="ja-JP" altLang="en-US" dirty="0" smtClean="0"/>
+              <a:t>１．００</a:t>
             </a:r>
             <a:endParaRPr kumimoji="1" lang="ja-JP" altLang="en-US" dirty="0"/>
           </a:p>
@@ -6714,11 +6722,15 @@
             </a:r>
             <a:r>
               <a:rPr lang="en-US" altLang="ja-JP" dirty="0"/>
-              <a:t>http://localhost/</a:t>
+              <a:t>http://</a:t>
+            </a:r>
+            <a:r>
+              <a:rPr lang="en-US" altLang="ja-JP" dirty="0"/>
+              <a:t>localhost/</a:t>
             </a:r>
             <a:r>
               <a:rPr lang="en-US" altLang="ja-JP" dirty="0" err="1"/>
-              <a:t>import_tool</a:t>
+              <a:t>create_invfile_tool</a:t>
             </a:r>
             <a:r>
               <a:rPr lang="en-US" altLang="ja-JP" dirty="0"/>
@@ -6741,27 +6753,39 @@
               <a:t>c:¥</a:t>
             </a:r>
             <a:r>
-              <a:rPr lang="en-US" altLang="ja-JP" dirty="0" err="1" smtClean="0"/>
-              <a:t>xampp¥htdocs¥import_tool</a:t>
+              <a:rPr lang="en-US" altLang="ja-JP" dirty="0" err="1"/>
+              <a:t>xampp¥htdocs¥create_invfile_tool</a:t>
             </a:r>
             <a:r>
               <a:rPr lang="ja-JP" altLang="en-US" dirty="0" smtClean="0"/>
-              <a:t>フォルダに権限が無い可能性があります。</a:t>
+              <a:t>フォルダ</a:t>
+            </a:r>
+            <a:r>
+              <a:rPr lang="ja-JP" altLang="en-US" dirty="0" smtClean="0"/>
+              <a:t>に権限が無い可能性があります。</a:t>
             </a:r>
             <a:endParaRPr lang="en-US" altLang="ja-JP" dirty="0" smtClean="0"/>
           </a:p>
           <a:p>
             <a:r>
               <a:rPr lang="ja-JP" altLang="en-US" dirty="0" smtClean="0"/>
-              <a:t>その場合、</a:t>
-            </a:r>
-            <a:r>
-              <a:rPr lang="en-US" altLang="ja-JP" dirty="0" err="1" smtClean="0"/>
-              <a:t>import_tool</a:t>
+              <a:t>その場合</a:t>
             </a:r>
             <a:r>
               <a:rPr lang="ja-JP" altLang="en-US" dirty="0" smtClean="0"/>
-              <a:t>フォルダに</a:t>
+              <a:t>、</a:t>
+            </a:r>
+            <a:r>
+              <a:rPr lang="en-US" altLang="ja-JP" dirty="0" err="1"/>
+              <a:t>create_invfile_tool</a:t>
+            </a:r>
+            <a:r>
+              <a:rPr lang="ja-JP" altLang="en-US" dirty="0" smtClean="0"/>
+              <a:t>フォルダ</a:t>
+            </a:r>
+            <a:r>
+              <a:rPr lang="ja-JP" altLang="en-US" dirty="0" smtClean="0"/>
+              <a:t>に</a:t>
             </a:r>
             <a:r>
               <a:rPr lang="en-US" altLang="ja-JP" dirty="0" smtClean="0"/>
@@ -7103,8 +7127,8 @@
               <a:t>「</a:t>
             </a:r>
             <a:r>
-              <a:rPr lang="en-US" altLang="ja-JP" dirty="0" err="1" smtClean="0"/>
-              <a:t>import_tool</a:t>
+              <a:rPr lang="en-US" altLang="ja-JP" dirty="0" err="1"/>
+              <a:t>create_invfile_tool</a:t>
             </a:r>
             <a:r>
               <a:rPr lang="ja-JP" altLang="en-US" dirty="0" smtClean="0"/>
@@ -7191,7 +7215,7 @@
         </p:blipFill>
         <p:spPr>
           <a:xfrm>
-            <a:off x="3282950" y="3903330"/>
+            <a:off x="3296920" y="4206622"/>
             <a:ext cx="5598160" cy="2315355"/>
           </a:xfrm>
           <a:prstGeom prst="rect">
@@ -7575,11 +7599,7 @@
             </a:r>
             <a:r>
               <a:rPr kumimoji="1" lang="ja-JP" altLang="en-US" dirty="0" smtClean="0"/>
-              <a:t>に合わせて</a:t>
-            </a:r>
-            <a:r>
-              <a:rPr kumimoji="1" lang="ja-JP" altLang="en-US" dirty="0" smtClean="0"/>
-              <a:t>、</a:t>
+              <a:t>に合わせて、</a:t>
             </a:r>
             <a:r>
               <a:rPr kumimoji="1" lang="en-US" altLang="ja-JP" dirty="0" smtClean="0"/>
@@ -7587,11 +7607,7 @@
             </a:r>
             <a:r>
               <a:rPr kumimoji="1" lang="ja-JP" altLang="en-US" dirty="0" smtClean="0"/>
-              <a:t>のバージョンのボタン</a:t>
-            </a:r>
-            <a:r>
-              <a:rPr kumimoji="1" lang="ja-JP" altLang="en-US" dirty="0" smtClean="0"/>
-              <a:t>を押します。</a:t>
+              <a:t>のバージョンのボタンを押します。</a:t>
             </a:r>
             <a:endParaRPr kumimoji="1" lang="en-US" altLang="ja-JP" dirty="0" smtClean="0"/>
           </a:p>
@@ -7732,23 +7748,11 @@
             </a:r>
             <a:r>
               <a:rPr lang="ja-JP" altLang="en-US" dirty="0" smtClean="0"/>
-              <a:t>ファイル、</a:t>
-            </a:r>
-            <a:r>
-              <a:rPr lang="en-US" altLang="ja-JP" dirty="0" smtClean="0"/>
-              <a:t>Linux</a:t>
+              <a:t>ファイルが</a:t>
             </a:r>
             <a:r>
               <a:rPr lang="ja-JP" altLang="en-US" dirty="0" smtClean="0"/>
-              <a:t>の場合は</a:t>
-            </a:r>
-            <a:r>
-              <a:rPr lang="en-US" altLang="ja-JP" dirty="0" smtClean="0"/>
-              <a:t>run</a:t>
-            </a:r>
-            <a:r>
-              <a:rPr lang="ja-JP" altLang="en-US" dirty="0" smtClean="0"/>
-              <a:t>ファイルがダウンロードされます。</a:t>
+              <a:t>ダウンロードされます。</a:t>
             </a:r>
             <a:endParaRPr lang="en-US" altLang="ja-JP" dirty="0"/>
           </a:p>
@@ -8311,7 +8315,7 @@
         </p:spPr>
         <p:txBody>
           <a:bodyPr>
-            <a:normAutofit fontScale="77500" lnSpcReduction="20000"/>
+            <a:normAutofit fontScale="70000" lnSpcReduction="20000"/>
           </a:bodyPr>
           <a:lstStyle/>
           <a:p>
@@ -8328,8 +8332,8 @@
               <a:t>「</a:t>
             </a:r>
             <a:r>
-              <a:rPr lang="en-US" altLang="ja-JP" dirty="0" err="1"/>
-              <a:t>SUPPORT_TOOL.zip</a:t>
+              <a:rPr lang="en-US" altLang="ja-JP" dirty="0" smtClean="0"/>
+              <a:t>SUPPORT_TOOL_Ver2.zip</a:t>
             </a:r>
             <a:r>
               <a:rPr lang="ja-JP" altLang="en-US" dirty="0" smtClean="0"/>
@@ -8348,11 +8352,15 @@
             </a:r>
             <a:r>
               <a:rPr lang="en-US" altLang="ja-JP" dirty="0" smtClean="0"/>
-              <a:t>SUPPORT_TOOL</a:t>
+              <a:t>SUPPORT_TOOL_Ver2</a:t>
             </a:r>
             <a:r>
               <a:rPr lang="ja-JP" altLang="en-US" dirty="0" smtClean="0"/>
-              <a:t>（１）</a:t>
+              <a:t>（</a:t>
+            </a:r>
+            <a:r>
+              <a:rPr lang="ja-JP" altLang="en-US" dirty="0" smtClean="0"/>
+              <a:t>１）</a:t>
             </a:r>
             <a:r>
               <a:rPr lang="en-US" altLang="ja-JP" dirty="0" smtClean="0"/>
@@ -8367,67 +8375,67 @@
               <a:t>」というように、名前に番号がつき、これが全角文字になります。これもうまくいかない原因となりますので、古い</a:t>
             </a:r>
             <a:r>
+              <a:rPr lang="en-US" altLang="ja-JP" dirty="0"/>
+              <a:t>SUPPORT_TOOL_Ver2.zip</a:t>
+            </a:r>
+            <a:r>
+              <a:rPr lang="ja-JP" altLang="en-US" dirty="0" smtClean="0"/>
+              <a:t>ファイルを削除してからダウンロードしてください。</a:t>
+            </a:r>
+            <a:endParaRPr kumimoji="1" lang="en-US" altLang="ja-JP" dirty="0" smtClean="0"/>
+          </a:p>
+          <a:p>
+            <a:r>
+              <a:rPr kumimoji="1" lang="ja-JP" altLang="en-US" dirty="0" smtClean="0"/>
+              <a:t>「</a:t>
+            </a:r>
+            <a:r>
+              <a:rPr kumimoji="1" lang="en-US" altLang="ja-JP" dirty="0" smtClean="0"/>
+              <a:t>SUPPORT_TOOL</a:t>
+            </a:r>
+            <a:r>
+              <a:rPr lang="en-US" altLang="ja-JP" dirty="0"/>
+              <a:t>_Ver2.zip</a:t>
+            </a:r>
+            <a:r>
+              <a:rPr kumimoji="1" lang="ja-JP" altLang="en-US" dirty="0" smtClean="0"/>
+              <a:t>」（圧縮ファイル）を解凍します。ファイルを右クリックし「展開」を実行してください。</a:t>
+            </a:r>
+            <a:endParaRPr kumimoji="1" lang="en-US" altLang="ja-JP" dirty="0" smtClean="0"/>
+          </a:p>
+          <a:p>
+            <a:r>
+              <a:rPr lang="ja-JP" altLang="en-US" dirty="0" smtClean="0"/>
+              <a:t>解凍（展開）すると 「</a:t>
+            </a:r>
+            <a:r>
+              <a:rPr lang="en-US" altLang="ja-JP" dirty="0" smtClean="0"/>
+              <a:t>SUPPORT_TOOL</a:t>
+            </a:r>
+            <a:r>
+              <a:rPr lang="ja-JP" altLang="en-US" dirty="0" smtClean="0"/>
+              <a:t>」フォルダができます。</a:t>
+            </a:r>
+            <a:endParaRPr lang="en-US" altLang="ja-JP" dirty="0" smtClean="0"/>
+          </a:p>
+          <a:p>
+            <a:r>
+              <a:rPr lang="ja-JP" altLang="en-US" dirty="0" smtClean="0"/>
+              <a:t>その中に、マニュアルの</a:t>
+            </a:r>
+            <a:r>
+              <a:rPr lang="en-US" altLang="ja-JP" dirty="0" smtClean="0"/>
+              <a:t>PDF</a:t>
+            </a:r>
+            <a:r>
+              <a:rPr lang="ja-JP" altLang="en-US" dirty="0" smtClean="0"/>
+              <a:t>と共にもう１つの「</a:t>
+            </a:r>
+            <a:r>
               <a:rPr lang="en-US" altLang="ja-JP" dirty="0" err="1" smtClean="0"/>
               <a:t>SUPPORT_TOOL.zip</a:t>
             </a:r>
             <a:r>
-              <a:rPr lang="ja-JP" altLang="en-US" dirty="0" smtClean="0"/>
-              <a:t>ファイルを削除してからダウンロードしてください。</a:t>
-            </a:r>
-            <a:endParaRPr kumimoji="1" lang="en-US" altLang="ja-JP" dirty="0" smtClean="0"/>
-          </a:p>
-          <a:p>
-            <a:r>
-              <a:rPr kumimoji="1" lang="ja-JP" altLang="en-US" dirty="0" smtClean="0"/>
-              <a:t>「</a:t>
-            </a:r>
-            <a:r>
-              <a:rPr kumimoji="1" lang="en-US" altLang="ja-JP" dirty="0" err="1" smtClean="0"/>
-              <a:t>SUPPORT_TOOL</a:t>
-            </a:r>
-            <a:r>
-              <a:rPr lang="en-US" altLang="ja-JP" dirty="0" err="1" smtClean="0"/>
-              <a:t>.zip</a:t>
-            </a:r>
-            <a:r>
-              <a:rPr kumimoji="1" lang="ja-JP" altLang="en-US" dirty="0" smtClean="0"/>
-              <a:t>」（圧縮ファイル）を解凍します。ファイルを右クリックし「展開」を実行してください。</a:t>
-            </a:r>
-            <a:endParaRPr kumimoji="1" lang="en-US" altLang="ja-JP" dirty="0" smtClean="0"/>
-          </a:p>
-          <a:p>
-            <a:r>
-              <a:rPr lang="ja-JP" altLang="en-US" dirty="0" smtClean="0"/>
-              <a:t>解凍（展開）すると 「</a:t>
-            </a:r>
-            <a:r>
-              <a:rPr lang="en-US" altLang="ja-JP" dirty="0" smtClean="0"/>
-              <a:t>SUPPORT_TOOL</a:t>
-            </a:r>
-            <a:r>
-              <a:rPr lang="ja-JP" altLang="en-US" dirty="0" smtClean="0"/>
-              <a:t>」フォルダができます。</a:t>
-            </a:r>
-            <a:endParaRPr lang="en-US" altLang="ja-JP" dirty="0" smtClean="0"/>
-          </a:p>
-          <a:p>
-            <a:r>
-              <a:rPr lang="ja-JP" altLang="en-US" dirty="0" smtClean="0"/>
-              <a:t>その中に、マニュアルの</a:t>
-            </a:r>
-            <a:r>
-              <a:rPr lang="en-US" altLang="ja-JP" dirty="0" smtClean="0"/>
-              <a:t>PDF</a:t>
-            </a:r>
-            <a:r>
-              <a:rPr lang="ja-JP" altLang="en-US" dirty="0" smtClean="0"/>
-              <a:t>と共にもう１つの「</a:t>
-            </a:r>
-            <a:r>
-              <a:rPr lang="en-US" altLang="ja-JP" dirty="0" err="1"/>
-              <a:t>SUPPORT_TOOL.zip</a:t>
-            </a:r>
-            <a:r>
               <a:rPr lang="ja-JP" altLang="en-US" dirty="0"/>
               <a:t>」（圧縮ファイル</a:t>
             </a:r>
@@ -8440,7 +8448,7 @@
           <a:p>
             <a:r>
               <a:rPr lang="ja-JP" altLang="en-US" dirty="0" smtClean="0"/>
-              <a:t>その「</a:t>
+              <a:t>すでに輸入版の出品ファイル作成ツールをセットアップされている方は、「</a:t>
             </a:r>
             <a:r>
               <a:rPr lang="en-US" altLang="ja-JP" dirty="0" smtClean="0"/>
@@ -8456,7 +8464,7 @@
             </a:r>
             <a:r>
               <a:rPr lang="en-US" altLang="ja-JP" dirty="0" err="1" smtClean="0"/>
-              <a:t>install.bat</a:t>
+              <a:t>install_add.bat</a:t>
             </a:r>
             <a:r>
               <a:rPr lang="ja-JP" altLang="en-US" dirty="0" smtClean="0"/>
@@ -8468,6 +8476,30 @@
             </a:r>
             <a:r>
               <a:rPr lang="ja-JP" altLang="en-US" dirty="0" smtClean="0"/>
+              <a:t>クリック）します</a:t>
+            </a:r>
+            <a:r>
+              <a:rPr lang="ja-JP" altLang="en-US" dirty="0" smtClean="0"/>
+              <a:t>。今回、新規で出品ファイル作成ツールをセットアップされている場合</a:t>
+            </a:r>
+            <a:r>
+              <a:rPr lang="ja-JP" altLang="en-US" dirty="0"/>
+              <a:t>は、 「</a:t>
+            </a:r>
+            <a:r>
+              <a:rPr lang="en-US" altLang="ja-JP" dirty="0" err="1" smtClean="0"/>
+              <a:t>install.bat</a:t>
+            </a:r>
+            <a:r>
+              <a:rPr lang="ja-JP" altLang="en-US" dirty="0"/>
+              <a:t>」を実行（</a:t>
+            </a:r>
+            <a:r>
+              <a:rPr lang="en-US" altLang="ja-JP" dirty="0"/>
+              <a:t>W</a:t>
+            </a:r>
+            <a:r>
+              <a:rPr lang="ja-JP" altLang="en-US" dirty="0"/>
               <a:t>クリック）します。</a:t>
             </a:r>
             <a:endParaRPr lang="en-US" altLang="ja-JP" dirty="0" smtClean="0"/>
@@ -8680,23 +8712,19 @@
               <a:t>http://</a:t>
             </a:r>
             <a:r>
-              <a:rPr lang="en-US" altLang="ja-JP" dirty="0" err="1"/>
-              <a:t>localhost</a:t>
-            </a:r>
-            <a:r>
-              <a:rPr lang="en-US" altLang="ja-JP" dirty="0"/>
+              <a:rPr lang="en-US" altLang="ja-JP" dirty="0" smtClean="0"/>
+              <a:t>localhost/</a:t>
+            </a:r>
+            <a:r>
+              <a:rPr lang="en-US" altLang="ja-JP" dirty="0" err="1" smtClean="0"/>
+              <a:t>create_invfile_tool</a:t>
+            </a:r>
+            <a:r>
+              <a:rPr lang="en-US" altLang="ja-JP" dirty="0" smtClean="0"/>
               <a:t>/</a:t>
             </a:r>
             <a:r>
-              <a:rPr lang="en-US" altLang="ja-JP" dirty="0" err="1"/>
-              <a:t>import_tool</a:t>
-            </a:r>
-            <a:r>
-              <a:rPr lang="en-US" altLang="ja-JP" dirty="0"/>
-              <a:t>/</a:t>
-            </a:r>
-            <a:r>
-              <a:rPr lang="en-US" altLang="ja-JP" dirty="0" err="1"/>
+              <a:rPr lang="en-US" altLang="ja-JP" dirty="0" err="1" smtClean="0"/>
               <a:t>admin.php</a:t>
             </a:r>
             <a:r>
@@ -8705,17 +8733,11 @@
             </a:r>
             <a:r>
               <a:rPr lang="ja-JP" altLang="en-US" dirty="0" smtClean="0"/>
-              <a:t>と</a:t>
-            </a:r>
-            <a:endParaRPr lang="en-US" altLang="ja-JP" dirty="0"/>
-          </a:p>
-          <a:p>
-            <a:pPr marL="0" indent="0">
-              <a:buNone/>
-            </a:pPr>
+              <a:t>と、出品</a:t>
+            </a:r>
             <a:r>
               <a:rPr lang="ja-JP" altLang="en-US" dirty="0" smtClean="0"/>
-              <a:t>出品ファイル作成ツールの　ログイン画面が開きます。</a:t>
+              <a:t>ファイル作成ツールの　ログイン画面が開きます。</a:t>
             </a:r>
             <a:endParaRPr lang="en-US" altLang="ja-JP" dirty="0" smtClean="0"/>
           </a:p>
